--- a/Hw3/ML_P.pptx
+++ b/Hw3/ML_P.pptx
@@ -15,6 +15,13 @@
     <p:sldId id="265" r:id="rId9"/>
     <p:sldId id="263" r:id="rId10"/>
     <p:sldId id="261" r:id="rId11"/>
+    <p:sldId id="266" r:id="rId12"/>
+    <p:sldId id="267" r:id="rId13"/>
+    <p:sldId id="268" r:id="rId14"/>
+    <p:sldId id="269" r:id="rId15"/>
+    <p:sldId id="270" r:id="rId16"/>
+    <p:sldId id="271" r:id="rId17"/>
+    <p:sldId id="272" r:id="rId18"/>
   </p:sldIdLst>
   <p:sldSz cx="12192000" cy="6858000"/>
   <p:notesSz cx="6858000" cy="9144000"/>
@@ -452,7 +459,7 @@
           <a:p>
             <a:fld id="{CC1EB1E0-D451-4E51-B5B8-D343500E021C}" type="datetimeFigureOut">
               <a:rPr lang="zh-TW" altLang="en-US" smtClean="0"/>
-              <a:t>2019/10/16</a:t>
+              <a:t>2019/10/29</a:t>
             </a:fld>
             <a:endParaRPr lang="zh-TW" altLang="en-US"/>
           </a:p>
@@ -776,7 +783,7 @@
           <a:p>
             <a:fld id="{CC1EB1E0-D451-4E51-B5B8-D343500E021C}" type="datetimeFigureOut">
               <a:rPr lang="zh-TW" altLang="en-US" smtClean="0"/>
-              <a:t>2019/10/16</a:t>
+              <a:t>2019/10/29</a:t>
             </a:fld>
             <a:endParaRPr lang="zh-TW" altLang="en-US"/>
           </a:p>
@@ -1024,7 +1031,7 @@
           <a:p>
             <a:fld id="{CC1EB1E0-D451-4E51-B5B8-D343500E021C}" type="datetimeFigureOut">
               <a:rPr lang="zh-TW" altLang="en-US" smtClean="0"/>
-              <a:t>2019/10/16</a:t>
+              <a:t>2019/10/29</a:t>
             </a:fld>
             <a:endParaRPr lang="zh-TW" altLang="en-US"/>
           </a:p>
@@ -1363,7 +1370,7 @@
           <a:p>
             <a:fld id="{CC1EB1E0-D451-4E51-B5B8-D343500E021C}" type="datetimeFigureOut">
               <a:rPr lang="zh-TW" altLang="en-US" smtClean="0"/>
-              <a:t>2019/10/16</a:t>
+              <a:t>2019/10/29</a:t>
             </a:fld>
             <a:endParaRPr lang="zh-TW" altLang="en-US"/>
           </a:p>
@@ -1710,7 +1717,7 @@
           <a:p>
             <a:fld id="{CC1EB1E0-D451-4E51-B5B8-D343500E021C}" type="datetimeFigureOut">
               <a:rPr lang="zh-TW" altLang="en-US" smtClean="0"/>
-              <a:t>2019/10/16</a:t>
+              <a:t>2019/10/29</a:t>
             </a:fld>
             <a:endParaRPr lang="zh-TW" altLang="en-US"/>
           </a:p>
@@ -2084,7 +2091,7 @@
           <a:p>
             <a:fld id="{CC1EB1E0-D451-4E51-B5B8-D343500E021C}" type="datetimeFigureOut">
               <a:rPr lang="zh-TW" altLang="en-US" smtClean="0"/>
-              <a:t>2019/10/16</a:t>
+              <a:t>2019/10/29</a:t>
             </a:fld>
             <a:endParaRPr lang="zh-TW" altLang="en-US"/>
           </a:p>
@@ -2554,7 +2561,7 @@
           <a:p>
             <a:fld id="{CC1EB1E0-D451-4E51-B5B8-D343500E021C}" type="datetimeFigureOut">
               <a:rPr lang="zh-TW" altLang="en-US" smtClean="0"/>
-              <a:t>2019/10/16</a:t>
+              <a:t>2019/10/29</a:t>
             </a:fld>
             <a:endParaRPr lang="zh-TW" altLang="en-US"/>
           </a:p>
@@ -2759,7 +2766,7 @@
           <a:p>
             <a:fld id="{CC1EB1E0-D451-4E51-B5B8-D343500E021C}" type="datetimeFigureOut">
               <a:rPr lang="zh-TW" altLang="en-US" smtClean="0"/>
-              <a:t>2019/10/16</a:t>
+              <a:t>2019/10/29</a:t>
             </a:fld>
             <a:endParaRPr lang="zh-TW" altLang="en-US"/>
           </a:p>
@@ -2970,7 +2977,7 @@
           <a:p>
             <a:fld id="{CC1EB1E0-D451-4E51-B5B8-D343500E021C}" type="datetimeFigureOut">
               <a:rPr lang="zh-TW" altLang="en-US" smtClean="0"/>
-              <a:t>2019/10/16</a:t>
+              <a:t>2019/10/29</a:t>
             </a:fld>
             <a:endParaRPr lang="zh-TW" altLang="en-US"/>
           </a:p>
@@ -3202,7 +3209,7 @@
           <a:p>
             <a:fld id="{CC1EB1E0-D451-4E51-B5B8-D343500E021C}" type="datetimeFigureOut">
               <a:rPr lang="zh-TW" altLang="en-US" smtClean="0"/>
-              <a:t>2019/10/16</a:t>
+              <a:t>2019/10/29</a:t>
             </a:fld>
             <a:endParaRPr lang="zh-TW" altLang="en-US"/>
           </a:p>
@@ -3450,7 +3457,7 @@
           <a:p>
             <a:fld id="{CC1EB1E0-D451-4E51-B5B8-D343500E021C}" type="datetimeFigureOut">
               <a:rPr lang="zh-TW" altLang="en-US" smtClean="0"/>
-              <a:t>2019/10/16</a:t>
+              <a:t>2019/10/29</a:t>
             </a:fld>
             <a:endParaRPr lang="zh-TW" altLang="en-US"/>
           </a:p>
@@ -3748,7 +3755,7 @@
           <a:p>
             <a:fld id="{CC1EB1E0-D451-4E51-B5B8-D343500E021C}" type="datetimeFigureOut">
               <a:rPr lang="zh-TW" altLang="en-US" smtClean="0"/>
-              <a:t>2019/10/16</a:t>
+              <a:t>2019/10/29</a:t>
             </a:fld>
             <a:endParaRPr lang="zh-TW" altLang="en-US"/>
           </a:p>
@@ -4142,7 +4149,7 @@
           <a:p>
             <a:fld id="{CC1EB1E0-D451-4E51-B5B8-D343500E021C}" type="datetimeFigureOut">
               <a:rPr lang="zh-TW" altLang="en-US" smtClean="0"/>
-              <a:t>2019/10/16</a:t>
+              <a:t>2019/10/29</a:t>
             </a:fld>
             <a:endParaRPr lang="zh-TW" altLang="en-US"/>
           </a:p>
@@ -4291,7 +4298,7 @@
           <a:p>
             <a:fld id="{CC1EB1E0-D451-4E51-B5B8-D343500E021C}" type="datetimeFigureOut">
               <a:rPr lang="zh-TW" altLang="en-US" smtClean="0"/>
-              <a:t>2019/10/16</a:t>
+              <a:t>2019/10/29</a:t>
             </a:fld>
             <a:endParaRPr lang="zh-TW" altLang="en-US"/>
           </a:p>
@@ -4417,7 +4424,7 @@
           <a:p>
             <a:fld id="{CC1EB1E0-D451-4E51-B5B8-D343500E021C}" type="datetimeFigureOut">
               <a:rPr lang="zh-TW" altLang="en-US" smtClean="0"/>
-              <a:t>2019/10/16</a:t>
+              <a:t>2019/10/29</a:t>
             </a:fld>
             <a:endParaRPr lang="zh-TW" altLang="en-US"/>
           </a:p>
@@ -4672,7 +4679,7 @@
           <a:p>
             <a:fld id="{CC1EB1E0-D451-4E51-B5B8-D343500E021C}" type="datetimeFigureOut">
               <a:rPr lang="zh-TW" altLang="en-US" smtClean="0"/>
-              <a:t>2019/10/16</a:t>
+              <a:t>2019/10/29</a:t>
             </a:fld>
             <a:endParaRPr lang="zh-TW" altLang="en-US"/>
           </a:p>
@@ -4987,7 +4994,7 @@
           <a:p>
             <a:fld id="{CC1EB1E0-D451-4E51-B5B8-D343500E021C}" type="datetimeFigureOut">
               <a:rPr lang="zh-TW" altLang="en-US" smtClean="0"/>
-              <a:t>2019/10/16</a:t>
+              <a:t>2019/10/29</a:t>
             </a:fld>
             <a:endParaRPr lang="zh-TW" altLang="en-US"/>
           </a:p>
@@ -5338,7 +5345,7 @@
           <a:p>
             <a:fld id="{CC1EB1E0-D451-4E51-B5B8-D343500E021C}" type="datetimeFigureOut">
               <a:rPr lang="zh-TW" altLang="en-US" smtClean="0"/>
-              <a:t>2019/10/16</a:t>
+              <a:t>2019/10/29</a:t>
             </a:fld>
             <a:endParaRPr lang="zh-TW" altLang="en-US"/>
           </a:p>
@@ -6112,6 +6119,1223 @@
 </p:sld>
 </file>
 
+<file path=ppt/slides/slide11.xml><?xml version="1.0" encoding="utf-8"?>
+<p:sld xmlns:a="http://schemas.openxmlformats.org/drawingml/2006/main" xmlns:r="http://schemas.openxmlformats.org/officeDocument/2006/relationships" xmlns:p="http://schemas.openxmlformats.org/presentationml/2006/main">
+  <p:cSld>
+    <p:spTree>
+      <p:nvGrpSpPr>
+        <p:cNvPr id="1" name=""/>
+        <p:cNvGrpSpPr/>
+        <p:nvPr/>
+      </p:nvGrpSpPr>
+      <p:grpSpPr>
+        <a:xfrm>
+          <a:off x="0" y="0"/>
+          <a:ext cx="0" cy="0"/>
+          <a:chOff x="0" y="0"/>
+          <a:chExt cx="0" cy="0"/>
+        </a:xfrm>
+      </p:grpSpPr>
+      <p:pic>
+        <p:nvPicPr>
+          <p:cNvPr id="4" name="圖片 3">
+            <a:extLst>
+              <a:ext uri="{FF2B5EF4-FFF2-40B4-BE49-F238E27FC236}">
+                <a16:creationId xmlns:a16="http://schemas.microsoft.com/office/drawing/2014/main" id="{90B91767-6FD5-41A9-A5E5-1F882D21B80E}"/>
+              </a:ext>
+            </a:extLst>
+          </p:cNvPr>
+          <p:cNvPicPr>
+            <a:picLocks noChangeAspect="1"/>
+          </p:cNvPicPr>
+          <p:nvPr/>
+        </p:nvPicPr>
+        <p:blipFill>
+          <a:blip r:embed="rId2"/>
+          <a:stretch>
+            <a:fillRect/>
+          </a:stretch>
+        </p:blipFill>
+        <p:spPr>
+          <a:xfrm>
+            <a:off x="6589070" y="2556932"/>
+            <a:ext cx="3862446" cy="3549600"/>
+          </a:xfrm>
+          <a:prstGeom prst="rect">
+            <a:avLst/>
+          </a:prstGeom>
+        </p:spPr>
+      </p:pic>
+      <p:sp>
+        <p:nvSpPr>
+          <p:cNvPr id="2" name="標題 1"/>
+          <p:cNvSpPr>
+            <a:spLocks noGrp="1"/>
+          </p:cNvSpPr>
+          <p:nvPr>
+            <p:ph type="title"/>
+          </p:nvPr>
+        </p:nvSpPr>
+        <p:spPr/>
+        <p:txBody>
+          <a:bodyPr/>
+          <a:lstStyle/>
+          <a:p>
+            <a:r>
+              <a:rPr lang="zh-TW" altLang="en-US" dirty="0"/>
+              <a:t>資料視覺化</a:t>
+            </a:r>
+          </a:p>
+        </p:txBody>
+      </p:sp>
+      <p:sp>
+        <p:nvSpPr>
+          <p:cNvPr id="3" name="內容版面配置區 2"/>
+          <p:cNvSpPr>
+            <a:spLocks noGrp="1"/>
+          </p:cNvSpPr>
+          <p:nvPr>
+            <p:ph idx="1"/>
+          </p:nvPr>
+        </p:nvSpPr>
+        <p:spPr/>
+        <p:txBody>
+          <a:bodyPr/>
+          <a:lstStyle/>
+          <a:p>
+            <a:r>
+              <a:rPr lang="zh-TW" altLang="en-US" dirty="0"/>
+              <a:t>每</a:t>
+            </a:r>
+            <a:r>
+              <a:rPr lang="en-US" altLang="zh-TW" dirty="0"/>
+              <a:t>100</a:t>
+            </a:r>
+            <a:r>
+              <a:rPr lang="zh-TW" altLang="en-US" dirty="0"/>
+              <a:t>點取一次</a:t>
+            </a:r>
+            <a:endParaRPr lang="en-US" altLang="zh-TW" dirty="0"/>
+          </a:p>
+          <a:p>
+            <a:r>
+              <a:rPr lang="zh-TW" altLang="en-US" dirty="0"/>
+              <a:t>全</a:t>
+            </a:r>
+            <a:r>
+              <a:rPr lang="en-US" altLang="zh-TW" dirty="0"/>
+              <a:t>Pickle</a:t>
+            </a:r>
+            <a:r>
+              <a:rPr lang="zh-TW" altLang="en-US" dirty="0"/>
+              <a:t>紀錄</a:t>
+            </a:r>
+            <a:endParaRPr lang="en-US" altLang="zh-TW" dirty="0"/>
+          </a:p>
+          <a:p>
+            <a:r>
+              <a:rPr lang="zh-TW" altLang="en-US" dirty="0"/>
+              <a:t>平台預測位置與球</a:t>
+            </a:r>
+            <a:r>
+              <a:rPr lang="en-US" altLang="zh-TW" dirty="0"/>
+              <a:t>X</a:t>
+            </a:r>
+            <a:r>
+              <a:rPr lang="zh-TW" altLang="en-US" dirty="0"/>
+              <a:t>的座標</a:t>
+            </a:r>
+            <a:endParaRPr lang="en-US" altLang="zh-TW" dirty="0"/>
+          </a:p>
+        </p:txBody>
+      </p:sp>
+    </p:spTree>
+    <p:extLst>
+      <p:ext uri="{BB962C8B-B14F-4D97-AF65-F5344CB8AC3E}">
+        <p14:creationId xmlns:p14="http://schemas.microsoft.com/office/powerpoint/2010/main" val="3326820243"/>
+      </p:ext>
+    </p:extLst>
+  </p:cSld>
+  <p:clrMapOvr>
+    <a:masterClrMapping/>
+  </p:clrMapOvr>
+</p:sld>
+</file>
+
+<file path=ppt/slides/slide12.xml><?xml version="1.0" encoding="utf-8"?>
+<p:sld xmlns:a="http://schemas.openxmlformats.org/drawingml/2006/main" xmlns:r="http://schemas.openxmlformats.org/officeDocument/2006/relationships" xmlns:p="http://schemas.openxmlformats.org/presentationml/2006/main">
+  <p:cSld>
+    <p:spTree>
+      <p:nvGrpSpPr>
+        <p:cNvPr id="1" name=""/>
+        <p:cNvGrpSpPr/>
+        <p:nvPr/>
+      </p:nvGrpSpPr>
+      <p:grpSpPr>
+        <a:xfrm>
+          <a:off x="0" y="0"/>
+          <a:ext cx="0" cy="0"/>
+          <a:chOff x="0" y="0"/>
+          <a:chExt cx="0" cy="0"/>
+        </a:xfrm>
+      </p:grpSpPr>
+      <p:sp>
+        <p:nvSpPr>
+          <p:cNvPr id="2" name="標題 1"/>
+          <p:cNvSpPr>
+            <a:spLocks noGrp="1"/>
+          </p:cNvSpPr>
+          <p:nvPr>
+            <p:ph type="title"/>
+          </p:nvPr>
+        </p:nvSpPr>
+        <p:spPr/>
+        <p:txBody>
+          <a:bodyPr/>
+          <a:lstStyle/>
+          <a:p>
+            <a:r>
+              <a:rPr lang="zh-TW" altLang="en-US" dirty="0"/>
+              <a:t>資料視覺化</a:t>
+            </a:r>
+          </a:p>
+        </p:txBody>
+      </p:sp>
+      <p:sp>
+        <p:nvSpPr>
+          <p:cNvPr id="3" name="內容版面配置區 2"/>
+          <p:cNvSpPr>
+            <a:spLocks noGrp="1"/>
+          </p:cNvSpPr>
+          <p:nvPr>
+            <p:ph idx="1"/>
+          </p:nvPr>
+        </p:nvSpPr>
+        <p:spPr/>
+        <p:txBody>
+          <a:bodyPr/>
+          <a:lstStyle/>
+          <a:p>
+            <a:r>
+              <a:rPr lang="zh-TW" altLang="en-US" dirty="0"/>
+              <a:t>每</a:t>
+            </a:r>
+            <a:r>
+              <a:rPr lang="en-US" altLang="zh-TW" dirty="0"/>
+              <a:t>100</a:t>
+            </a:r>
+            <a:r>
+              <a:rPr lang="zh-TW" altLang="en-US" dirty="0"/>
+              <a:t>點取一次</a:t>
+            </a:r>
+            <a:endParaRPr lang="en-US" altLang="zh-TW" dirty="0"/>
+          </a:p>
+          <a:p>
+            <a:r>
+              <a:rPr lang="zh-TW" altLang="en-US" dirty="0"/>
+              <a:t>全</a:t>
+            </a:r>
+            <a:r>
+              <a:rPr lang="en-US" altLang="zh-TW" dirty="0"/>
+              <a:t>Pickle</a:t>
+            </a:r>
+            <a:r>
+              <a:rPr lang="zh-TW" altLang="en-US" dirty="0"/>
+              <a:t>紀錄</a:t>
+            </a:r>
+            <a:endParaRPr lang="en-US" altLang="zh-TW" dirty="0"/>
+          </a:p>
+          <a:p>
+            <a:r>
+              <a:rPr lang="zh-TW" altLang="en-US" dirty="0"/>
+              <a:t>平台預測位置與球</a:t>
+            </a:r>
+            <a:r>
+              <a:rPr lang="en-US" altLang="zh-TW" dirty="0"/>
+              <a:t>Y</a:t>
+            </a:r>
+            <a:r>
+              <a:rPr lang="zh-TW" altLang="en-US" dirty="0"/>
+              <a:t>的座標</a:t>
+            </a:r>
+            <a:endParaRPr lang="en-US" altLang="zh-TW" dirty="0"/>
+          </a:p>
+        </p:txBody>
+      </p:sp>
+      <p:pic>
+        <p:nvPicPr>
+          <p:cNvPr id="5" name="圖片 4">
+            <a:extLst>
+              <a:ext uri="{FF2B5EF4-FFF2-40B4-BE49-F238E27FC236}">
+                <a16:creationId xmlns:a16="http://schemas.microsoft.com/office/drawing/2014/main" id="{3786B0F5-1136-4C31-B3F7-823CD7D249F3}"/>
+              </a:ext>
+            </a:extLst>
+          </p:cNvPr>
+          <p:cNvPicPr>
+            <a:picLocks noChangeAspect="1"/>
+          </p:cNvPicPr>
+          <p:nvPr/>
+        </p:nvPicPr>
+        <p:blipFill>
+          <a:blip r:embed="rId2"/>
+          <a:stretch>
+            <a:fillRect/>
+          </a:stretch>
+        </p:blipFill>
+        <p:spPr>
+          <a:xfrm>
+            <a:off x="6589070" y="2556932"/>
+            <a:ext cx="3862446" cy="3549600"/>
+          </a:xfrm>
+          <a:prstGeom prst="rect">
+            <a:avLst/>
+          </a:prstGeom>
+        </p:spPr>
+      </p:pic>
+    </p:spTree>
+    <p:extLst>
+      <p:ext uri="{BB962C8B-B14F-4D97-AF65-F5344CB8AC3E}">
+        <p14:creationId xmlns:p14="http://schemas.microsoft.com/office/powerpoint/2010/main" val="1109384519"/>
+      </p:ext>
+    </p:extLst>
+  </p:cSld>
+  <p:clrMapOvr>
+    <a:masterClrMapping/>
+  </p:clrMapOvr>
+</p:sld>
+</file>
+
+<file path=ppt/slides/slide13.xml><?xml version="1.0" encoding="utf-8"?>
+<p:sld xmlns:a="http://schemas.openxmlformats.org/drawingml/2006/main" xmlns:r="http://schemas.openxmlformats.org/officeDocument/2006/relationships" xmlns:p="http://schemas.openxmlformats.org/presentationml/2006/main">
+  <p:cSld>
+    <p:spTree>
+      <p:nvGrpSpPr>
+        <p:cNvPr id="1" name=""/>
+        <p:cNvGrpSpPr/>
+        <p:nvPr/>
+      </p:nvGrpSpPr>
+      <p:grpSpPr>
+        <a:xfrm>
+          <a:off x="0" y="0"/>
+          <a:ext cx="0" cy="0"/>
+          <a:chOff x="0" y="0"/>
+          <a:chExt cx="0" cy="0"/>
+        </a:xfrm>
+      </p:grpSpPr>
+      <p:sp>
+        <p:nvSpPr>
+          <p:cNvPr id="2" name="標題 1"/>
+          <p:cNvSpPr>
+            <a:spLocks noGrp="1"/>
+          </p:cNvSpPr>
+          <p:nvPr>
+            <p:ph type="title"/>
+          </p:nvPr>
+        </p:nvSpPr>
+        <p:spPr/>
+        <p:txBody>
+          <a:bodyPr/>
+          <a:lstStyle/>
+          <a:p>
+            <a:r>
+              <a:rPr lang="zh-TW" altLang="en-US" dirty="0"/>
+              <a:t>資料視覺化</a:t>
+            </a:r>
+          </a:p>
+        </p:txBody>
+      </p:sp>
+      <p:sp>
+        <p:nvSpPr>
+          <p:cNvPr id="3" name="內容版面配置區 2"/>
+          <p:cNvSpPr>
+            <a:spLocks noGrp="1"/>
+          </p:cNvSpPr>
+          <p:nvPr>
+            <p:ph idx="1"/>
+          </p:nvPr>
+        </p:nvSpPr>
+        <p:spPr/>
+        <p:txBody>
+          <a:bodyPr/>
+          <a:lstStyle/>
+          <a:p>
+            <a:r>
+              <a:rPr lang="zh-TW" altLang="en-US" dirty="0"/>
+              <a:t>每</a:t>
+            </a:r>
+            <a:r>
+              <a:rPr lang="en-US" altLang="zh-TW" dirty="0"/>
+              <a:t>100</a:t>
+            </a:r>
+            <a:r>
+              <a:rPr lang="zh-TW" altLang="en-US" dirty="0"/>
+              <a:t>點取一次</a:t>
+            </a:r>
+            <a:endParaRPr lang="en-US" altLang="zh-TW" dirty="0"/>
+          </a:p>
+          <a:p>
+            <a:r>
+              <a:rPr lang="zh-TW" altLang="en-US" dirty="0"/>
+              <a:t>全</a:t>
+            </a:r>
+            <a:r>
+              <a:rPr lang="en-US" altLang="zh-TW" dirty="0"/>
+              <a:t>Pickle</a:t>
+            </a:r>
+            <a:r>
+              <a:rPr lang="zh-TW" altLang="en-US" dirty="0"/>
+              <a:t>紀錄</a:t>
+            </a:r>
+            <a:endParaRPr lang="en-US" altLang="zh-TW" dirty="0"/>
+          </a:p>
+          <a:p>
+            <a:r>
+              <a:rPr lang="zh-TW" altLang="en-US" dirty="0"/>
+              <a:t>平台預測位置、</a:t>
+            </a:r>
+            <a:endParaRPr lang="en-US" altLang="zh-TW" dirty="0"/>
+          </a:p>
+          <a:p>
+            <a:pPr marL="0" indent="0">
+              <a:buNone/>
+            </a:pPr>
+            <a:r>
+              <a:rPr lang="zh-TW" altLang="en-US" dirty="0"/>
+              <a:t>   球</a:t>
+            </a:r>
+            <a:r>
+              <a:rPr lang="en-US" altLang="zh-TW" dirty="0"/>
+              <a:t>X</a:t>
+            </a:r>
+            <a:r>
+              <a:rPr lang="zh-TW" altLang="en-US" dirty="0"/>
+              <a:t>的座標與球</a:t>
+            </a:r>
+            <a:r>
+              <a:rPr lang="en-US" altLang="zh-TW" dirty="0"/>
+              <a:t>Y</a:t>
+            </a:r>
+            <a:r>
+              <a:rPr lang="zh-TW" altLang="en-US" dirty="0"/>
+              <a:t>的座標</a:t>
+            </a:r>
+            <a:endParaRPr lang="en-US" altLang="zh-TW" dirty="0"/>
+          </a:p>
+        </p:txBody>
+      </p:sp>
+      <p:pic>
+        <p:nvPicPr>
+          <p:cNvPr id="4" name="圖片 3">
+            <a:extLst>
+              <a:ext uri="{FF2B5EF4-FFF2-40B4-BE49-F238E27FC236}">
+                <a16:creationId xmlns:a16="http://schemas.microsoft.com/office/drawing/2014/main" id="{6F016104-466E-4FD5-BFB8-AA255CD1E5A5}"/>
+              </a:ext>
+            </a:extLst>
+          </p:cNvPr>
+          <p:cNvPicPr>
+            <a:picLocks noChangeAspect="1"/>
+          </p:cNvPicPr>
+          <p:nvPr/>
+        </p:nvPicPr>
+        <p:blipFill>
+          <a:blip r:embed="rId2"/>
+          <a:stretch>
+            <a:fillRect/>
+          </a:stretch>
+        </p:blipFill>
+        <p:spPr>
+          <a:xfrm>
+            <a:off x="6589069" y="2556931"/>
+            <a:ext cx="3862445" cy="3549599"/>
+          </a:xfrm>
+          <a:prstGeom prst="rect">
+            <a:avLst/>
+          </a:prstGeom>
+        </p:spPr>
+      </p:pic>
+    </p:spTree>
+    <p:extLst>
+      <p:ext uri="{BB962C8B-B14F-4D97-AF65-F5344CB8AC3E}">
+        <p14:creationId xmlns:p14="http://schemas.microsoft.com/office/powerpoint/2010/main" val="471298641"/>
+      </p:ext>
+    </p:extLst>
+  </p:cSld>
+  <p:clrMapOvr>
+    <a:masterClrMapping/>
+  </p:clrMapOvr>
+</p:sld>
+</file>
+
+<file path=ppt/slides/slide14.xml><?xml version="1.0" encoding="utf-8"?>
+<p:sld xmlns:a="http://schemas.openxmlformats.org/drawingml/2006/main" xmlns:r="http://schemas.openxmlformats.org/officeDocument/2006/relationships" xmlns:p="http://schemas.openxmlformats.org/presentationml/2006/main">
+  <p:cSld>
+    <p:spTree>
+      <p:nvGrpSpPr>
+        <p:cNvPr id="1" name=""/>
+        <p:cNvGrpSpPr/>
+        <p:nvPr/>
+      </p:nvGrpSpPr>
+      <p:grpSpPr>
+        <a:xfrm>
+          <a:off x="0" y="0"/>
+          <a:ext cx="0" cy="0"/>
+          <a:chOff x="0" y="0"/>
+          <a:chExt cx="0" cy="0"/>
+        </a:xfrm>
+      </p:grpSpPr>
+      <p:pic>
+        <p:nvPicPr>
+          <p:cNvPr id="5" name="圖片 4">
+            <a:extLst>
+              <a:ext uri="{FF2B5EF4-FFF2-40B4-BE49-F238E27FC236}">
+                <a16:creationId xmlns:a16="http://schemas.microsoft.com/office/drawing/2014/main" id="{E0C2B6E3-CCF2-4E33-9E12-06A24606702C}"/>
+              </a:ext>
+            </a:extLst>
+          </p:cNvPr>
+          <p:cNvPicPr>
+            <a:picLocks noChangeAspect="1"/>
+          </p:cNvPicPr>
+          <p:nvPr/>
+        </p:nvPicPr>
+        <p:blipFill>
+          <a:blip r:embed="rId2"/>
+          <a:stretch>
+            <a:fillRect/>
+          </a:stretch>
+        </p:blipFill>
+        <p:spPr>
+          <a:xfrm>
+            <a:off x="6589069" y="2556930"/>
+            <a:ext cx="3862446" cy="3549600"/>
+          </a:xfrm>
+          <a:prstGeom prst="rect">
+            <a:avLst/>
+          </a:prstGeom>
+        </p:spPr>
+      </p:pic>
+      <p:sp>
+        <p:nvSpPr>
+          <p:cNvPr id="2" name="標題 1"/>
+          <p:cNvSpPr>
+            <a:spLocks noGrp="1"/>
+          </p:cNvSpPr>
+          <p:nvPr>
+            <p:ph type="title"/>
+          </p:nvPr>
+        </p:nvSpPr>
+        <p:spPr/>
+        <p:txBody>
+          <a:bodyPr/>
+          <a:lstStyle/>
+          <a:p>
+            <a:r>
+              <a:rPr lang="zh-TW" altLang="en-US" dirty="0"/>
+              <a:t>資料視覺化</a:t>
+            </a:r>
+          </a:p>
+        </p:txBody>
+      </p:sp>
+      <p:sp>
+        <p:nvSpPr>
+          <p:cNvPr id="3" name="內容版面配置區 2"/>
+          <p:cNvSpPr>
+            <a:spLocks noGrp="1"/>
+          </p:cNvSpPr>
+          <p:nvPr>
+            <p:ph idx="1"/>
+          </p:nvPr>
+        </p:nvSpPr>
+        <p:spPr>
+          <a:xfrm>
+            <a:off x="1295401" y="2556931"/>
+            <a:ext cx="9601196" cy="3549599"/>
+          </a:xfrm>
+        </p:spPr>
+        <p:txBody>
+          <a:bodyPr>
+            <a:normAutofit/>
+          </a:bodyPr>
+          <a:lstStyle/>
+          <a:p>
+            <a:r>
+              <a:rPr lang="zh-TW" altLang="en-US" sz="2000" dirty="0"/>
+              <a:t>每</a:t>
+            </a:r>
+            <a:r>
+              <a:rPr lang="en-US" altLang="zh-TW" sz="2000" dirty="0"/>
+              <a:t>100</a:t>
+            </a:r>
+            <a:r>
+              <a:rPr lang="zh-TW" altLang="en-US" sz="2000" dirty="0"/>
+              <a:t>點取一次</a:t>
+            </a:r>
+            <a:endParaRPr lang="en-US" altLang="zh-TW" sz="2000" dirty="0"/>
+          </a:p>
+          <a:p>
+            <a:r>
+              <a:rPr lang="zh-TW" altLang="en-US" sz="2000" dirty="0"/>
+              <a:t>全</a:t>
+            </a:r>
+            <a:r>
+              <a:rPr lang="en-US" altLang="zh-TW" sz="2000" dirty="0"/>
+              <a:t>Pickle</a:t>
+            </a:r>
+            <a:r>
+              <a:rPr lang="zh-TW" altLang="en-US" sz="2000" dirty="0"/>
+              <a:t>紀錄</a:t>
+            </a:r>
+            <a:endParaRPr lang="en-US" altLang="zh-TW" sz="2000" dirty="0"/>
+          </a:p>
+          <a:p>
+            <a:r>
+              <a:rPr lang="zh-TW" altLang="en-US" sz="2000" dirty="0"/>
+              <a:t>平台預測位置、球</a:t>
+            </a:r>
+            <a:r>
+              <a:rPr lang="en-US" altLang="zh-TW" sz="2000" dirty="0"/>
+              <a:t>X</a:t>
+            </a:r>
+            <a:r>
+              <a:rPr lang="zh-TW" altLang="en-US" sz="2000" dirty="0"/>
+              <a:t>的座標</a:t>
+            </a:r>
+            <a:endParaRPr lang="en-US" altLang="zh-TW" sz="2000" dirty="0"/>
+          </a:p>
+          <a:p>
+            <a:r>
+              <a:rPr lang="en-US" altLang="zh-TW" sz="2000" dirty="0"/>
+              <a:t>20%</a:t>
+            </a:r>
+            <a:r>
+              <a:rPr lang="zh-TW" altLang="en-US" sz="2000" dirty="0"/>
+              <a:t>測試集結果</a:t>
+            </a:r>
+            <a:endParaRPr lang="en-US" altLang="zh-TW" sz="2000" dirty="0"/>
+          </a:p>
+          <a:p>
+            <a:pPr lvl="1"/>
+            <a:r>
+              <a:rPr lang="en-US" altLang="zh-TW" dirty="0"/>
+              <a:t>Train</a:t>
+            </a:r>
+            <a:r>
+              <a:rPr lang="zh-TW" altLang="en-US" dirty="0"/>
+              <a:t>為正確數值</a:t>
+            </a:r>
+            <a:endParaRPr lang="en-US" altLang="zh-TW" dirty="0"/>
+          </a:p>
+          <a:p>
+            <a:pPr lvl="1"/>
+            <a:r>
+              <a:rPr lang="en-US" altLang="zh-TW" dirty="0" err="1"/>
+              <a:t>Righ</a:t>
+            </a:r>
+            <a:r>
+              <a:rPr lang="zh-TW" altLang="en-US" dirty="0"/>
+              <a:t>為判定正確的數據</a:t>
+            </a:r>
+            <a:endParaRPr lang="en-US" altLang="zh-TW" dirty="0"/>
+          </a:p>
+          <a:p>
+            <a:pPr lvl="1"/>
+            <a:r>
+              <a:rPr lang="en-US" altLang="zh-TW" dirty="0"/>
+              <a:t>Wrong</a:t>
+            </a:r>
+            <a:r>
+              <a:rPr lang="zh-TW" altLang="en-US" dirty="0"/>
+              <a:t>為判定錯誤的數據</a:t>
+            </a:r>
+            <a:endParaRPr lang="en-US" altLang="zh-TW" dirty="0"/>
+          </a:p>
+          <a:p>
+            <a:pPr marL="0" indent="0">
+              <a:buNone/>
+            </a:pPr>
+            <a:endParaRPr lang="en-US" altLang="zh-TW" dirty="0"/>
+          </a:p>
+        </p:txBody>
+      </p:sp>
+    </p:spTree>
+    <p:extLst>
+      <p:ext uri="{BB962C8B-B14F-4D97-AF65-F5344CB8AC3E}">
+        <p14:creationId xmlns:p14="http://schemas.microsoft.com/office/powerpoint/2010/main" val="3238264270"/>
+      </p:ext>
+    </p:extLst>
+  </p:cSld>
+  <p:clrMapOvr>
+    <a:masterClrMapping/>
+  </p:clrMapOvr>
+</p:sld>
+</file>
+
+<file path=ppt/slides/slide15.xml><?xml version="1.0" encoding="utf-8"?>
+<p:sld xmlns:a="http://schemas.openxmlformats.org/drawingml/2006/main" xmlns:r="http://schemas.openxmlformats.org/officeDocument/2006/relationships" xmlns:p="http://schemas.openxmlformats.org/presentationml/2006/main">
+  <p:cSld>
+    <p:spTree>
+      <p:nvGrpSpPr>
+        <p:cNvPr id="1" name=""/>
+        <p:cNvGrpSpPr/>
+        <p:nvPr/>
+      </p:nvGrpSpPr>
+      <p:grpSpPr>
+        <a:xfrm>
+          <a:off x="0" y="0"/>
+          <a:ext cx="0" cy="0"/>
+          <a:chOff x="0" y="0"/>
+          <a:chExt cx="0" cy="0"/>
+        </a:xfrm>
+      </p:grpSpPr>
+      <p:sp>
+        <p:nvSpPr>
+          <p:cNvPr id="2" name="標題 1"/>
+          <p:cNvSpPr>
+            <a:spLocks noGrp="1"/>
+          </p:cNvSpPr>
+          <p:nvPr>
+            <p:ph type="title"/>
+          </p:nvPr>
+        </p:nvSpPr>
+        <p:spPr/>
+        <p:txBody>
+          <a:bodyPr/>
+          <a:lstStyle/>
+          <a:p>
+            <a:r>
+              <a:rPr lang="zh-TW" altLang="en-US" dirty="0"/>
+              <a:t>資料視覺化</a:t>
+            </a:r>
+          </a:p>
+        </p:txBody>
+      </p:sp>
+      <p:sp>
+        <p:nvSpPr>
+          <p:cNvPr id="3" name="內容版面配置區 2"/>
+          <p:cNvSpPr>
+            <a:spLocks noGrp="1"/>
+          </p:cNvSpPr>
+          <p:nvPr>
+            <p:ph idx="1"/>
+          </p:nvPr>
+        </p:nvSpPr>
+        <p:spPr>
+          <a:xfrm>
+            <a:off x="1295401" y="2556931"/>
+            <a:ext cx="9601196" cy="3549599"/>
+          </a:xfrm>
+        </p:spPr>
+        <p:txBody>
+          <a:bodyPr>
+            <a:normAutofit/>
+          </a:bodyPr>
+          <a:lstStyle/>
+          <a:p>
+            <a:r>
+              <a:rPr lang="zh-TW" altLang="en-US" sz="2000" dirty="0"/>
+              <a:t>每</a:t>
+            </a:r>
+            <a:r>
+              <a:rPr lang="en-US" altLang="zh-TW" sz="2000" dirty="0"/>
+              <a:t>100</a:t>
+            </a:r>
+            <a:r>
+              <a:rPr lang="zh-TW" altLang="en-US" sz="2000" dirty="0"/>
+              <a:t>點取一次</a:t>
+            </a:r>
+            <a:endParaRPr lang="en-US" altLang="zh-TW" sz="2000" dirty="0"/>
+          </a:p>
+          <a:p>
+            <a:r>
+              <a:rPr lang="zh-TW" altLang="en-US" sz="2000" dirty="0"/>
+              <a:t>全</a:t>
+            </a:r>
+            <a:r>
+              <a:rPr lang="en-US" altLang="zh-TW" sz="2000" dirty="0"/>
+              <a:t>Pickle</a:t>
+            </a:r>
+            <a:r>
+              <a:rPr lang="zh-TW" altLang="en-US" sz="2000" dirty="0"/>
+              <a:t>紀錄</a:t>
+            </a:r>
+            <a:endParaRPr lang="en-US" altLang="zh-TW" sz="2000" dirty="0"/>
+          </a:p>
+          <a:p>
+            <a:r>
+              <a:rPr lang="zh-TW" altLang="en-US" sz="2000" dirty="0"/>
+              <a:t>平台預測位置、球</a:t>
+            </a:r>
+            <a:r>
+              <a:rPr lang="en-US" altLang="zh-TW" sz="2000" dirty="0"/>
+              <a:t>Y</a:t>
+            </a:r>
+            <a:r>
+              <a:rPr lang="zh-TW" altLang="en-US" sz="2000" dirty="0"/>
+              <a:t>的座標</a:t>
+            </a:r>
+            <a:endParaRPr lang="en-US" altLang="zh-TW" sz="2000" dirty="0"/>
+          </a:p>
+          <a:p>
+            <a:r>
+              <a:rPr lang="en-US" altLang="zh-TW" sz="2000" dirty="0"/>
+              <a:t>20%</a:t>
+            </a:r>
+            <a:r>
+              <a:rPr lang="zh-TW" altLang="en-US" sz="2000" dirty="0"/>
+              <a:t>測試集結果</a:t>
+            </a:r>
+            <a:endParaRPr lang="en-US" altLang="zh-TW" sz="2000" dirty="0"/>
+          </a:p>
+          <a:p>
+            <a:pPr lvl="1"/>
+            <a:r>
+              <a:rPr lang="en-US" altLang="zh-TW" dirty="0"/>
+              <a:t>Train</a:t>
+            </a:r>
+            <a:r>
+              <a:rPr lang="zh-TW" altLang="en-US" dirty="0"/>
+              <a:t>為正確數值</a:t>
+            </a:r>
+            <a:endParaRPr lang="en-US" altLang="zh-TW" dirty="0"/>
+          </a:p>
+          <a:p>
+            <a:pPr lvl="1"/>
+            <a:r>
+              <a:rPr lang="en-US" altLang="zh-TW" dirty="0" err="1"/>
+              <a:t>Righ</a:t>
+            </a:r>
+            <a:r>
+              <a:rPr lang="zh-TW" altLang="en-US" dirty="0"/>
+              <a:t>為判定正確的數據</a:t>
+            </a:r>
+            <a:endParaRPr lang="en-US" altLang="zh-TW" dirty="0"/>
+          </a:p>
+          <a:p>
+            <a:pPr lvl="1"/>
+            <a:r>
+              <a:rPr lang="en-US" altLang="zh-TW" dirty="0"/>
+              <a:t>Wrong</a:t>
+            </a:r>
+            <a:r>
+              <a:rPr lang="zh-TW" altLang="en-US" dirty="0"/>
+              <a:t>為判定錯誤的數據</a:t>
+            </a:r>
+            <a:endParaRPr lang="en-US" altLang="zh-TW" dirty="0"/>
+          </a:p>
+          <a:p>
+            <a:pPr marL="0" indent="0">
+              <a:buNone/>
+            </a:pPr>
+            <a:endParaRPr lang="en-US" altLang="zh-TW" dirty="0"/>
+          </a:p>
+        </p:txBody>
+      </p:sp>
+      <p:pic>
+        <p:nvPicPr>
+          <p:cNvPr id="4" name="圖片 3">
+            <a:extLst>
+              <a:ext uri="{FF2B5EF4-FFF2-40B4-BE49-F238E27FC236}">
+                <a16:creationId xmlns:a16="http://schemas.microsoft.com/office/drawing/2014/main" id="{D1E59391-03E1-4903-8572-58F47BA1CA20}"/>
+              </a:ext>
+            </a:extLst>
+          </p:cNvPr>
+          <p:cNvPicPr>
+            <a:picLocks noChangeAspect="1"/>
+          </p:cNvPicPr>
+          <p:nvPr/>
+        </p:nvPicPr>
+        <p:blipFill>
+          <a:blip r:embed="rId2"/>
+          <a:stretch>
+            <a:fillRect/>
+          </a:stretch>
+        </p:blipFill>
+        <p:spPr>
+          <a:xfrm>
+            <a:off x="6589068" y="2556929"/>
+            <a:ext cx="3862445" cy="3549599"/>
+          </a:xfrm>
+          <a:prstGeom prst="rect">
+            <a:avLst/>
+          </a:prstGeom>
+        </p:spPr>
+      </p:pic>
+    </p:spTree>
+    <p:extLst>
+      <p:ext uri="{BB962C8B-B14F-4D97-AF65-F5344CB8AC3E}">
+        <p14:creationId xmlns:p14="http://schemas.microsoft.com/office/powerpoint/2010/main" val="442509902"/>
+      </p:ext>
+    </p:extLst>
+  </p:cSld>
+  <p:clrMapOvr>
+    <a:masterClrMapping/>
+  </p:clrMapOvr>
+</p:sld>
+</file>
+
+<file path=ppt/slides/slide16.xml><?xml version="1.0" encoding="utf-8"?>
+<p:sld xmlns:a="http://schemas.openxmlformats.org/drawingml/2006/main" xmlns:r="http://schemas.openxmlformats.org/officeDocument/2006/relationships" xmlns:p="http://schemas.openxmlformats.org/presentationml/2006/main">
+  <p:cSld>
+    <p:spTree>
+      <p:nvGrpSpPr>
+        <p:cNvPr id="1" name=""/>
+        <p:cNvGrpSpPr/>
+        <p:nvPr/>
+      </p:nvGrpSpPr>
+      <p:grpSpPr>
+        <a:xfrm>
+          <a:off x="0" y="0"/>
+          <a:ext cx="0" cy="0"/>
+          <a:chOff x="0" y="0"/>
+          <a:chExt cx="0" cy="0"/>
+        </a:xfrm>
+      </p:grpSpPr>
+      <p:sp>
+        <p:nvSpPr>
+          <p:cNvPr id="2" name="標題 1"/>
+          <p:cNvSpPr>
+            <a:spLocks noGrp="1"/>
+          </p:cNvSpPr>
+          <p:nvPr>
+            <p:ph type="title"/>
+          </p:nvPr>
+        </p:nvSpPr>
+        <p:spPr/>
+        <p:txBody>
+          <a:bodyPr/>
+          <a:lstStyle/>
+          <a:p>
+            <a:r>
+              <a:rPr lang="zh-TW" altLang="en-US" dirty="0"/>
+              <a:t>資料視覺化</a:t>
+            </a:r>
+          </a:p>
+        </p:txBody>
+      </p:sp>
+      <p:sp>
+        <p:nvSpPr>
+          <p:cNvPr id="3" name="內容版面配置區 2"/>
+          <p:cNvSpPr>
+            <a:spLocks noGrp="1"/>
+          </p:cNvSpPr>
+          <p:nvPr>
+            <p:ph idx="1"/>
+          </p:nvPr>
+        </p:nvSpPr>
+        <p:spPr>
+          <a:xfrm>
+            <a:off x="1295401" y="2556931"/>
+            <a:ext cx="9601196" cy="3549599"/>
+          </a:xfrm>
+        </p:spPr>
+        <p:txBody>
+          <a:bodyPr>
+            <a:normAutofit/>
+          </a:bodyPr>
+          <a:lstStyle/>
+          <a:p>
+            <a:r>
+              <a:rPr lang="zh-TW" altLang="en-US" sz="2000" dirty="0"/>
+              <a:t>每</a:t>
+            </a:r>
+            <a:r>
+              <a:rPr lang="en-US" altLang="zh-TW" sz="2000" dirty="0"/>
+              <a:t>100</a:t>
+            </a:r>
+            <a:r>
+              <a:rPr lang="zh-TW" altLang="en-US" sz="2000" dirty="0"/>
+              <a:t>點取一次</a:t>
+            </a:r>
+            <a:endParaRPr lang="en-US" altLang="zh-TW" sz="2000" dirty="0"/>
+          </a:p>
+          <a:p>
+            <a:r>
+              <a:rPr lang="zh-TW" altLang="en-US" sz="2000" dirty="0"/>
+              <a:t>全</a:t>
+            </a:r>
+            <a:r>
+              <a:rPr lang="en-US" altLang="zh-TW" sz="2000" dirty="0"/>
+              <a:t>Pickle</a:t>
+            </a:r>
+            <a:r>
+              <a:rPr lang="zh-TW" altLang="en-US" sz="2000" dirty="0"/>
+              <a:t>紀錄</a:t>
+            </a:r>
+            <a:endParaRPr lang="en-US" altLang="zh-TW" sz="2000" dirty="0"/>
+          </a:p>
+          <a:p>
+            <a:r>
+              <a:rPr lang="zh-TW" altLang="en-US" sz="2000" dirty="0"/>
+              <a:t>平台預測位置、</a:t>
+            </a:r>
+            <a:endParaRPr lang="en-US" altLang="zh-TW" sz="2000" dirty="0"/>
+          </a:p>
+          <a:p>
+            <a:pPr marL="0" indent="0">
+              <a:buNone/>
+            </a:pPr>
+            <a:r>
+              <a:rPr lang="zh-TW" altLang="en-US" sz="2000" dirty="0"/>
+              <a:t>     球</a:t>
+            </a:r>
+            <a:r>
+              <a:rPr lang="en-US" altLang="zh-TW" sz="2000" dirty="0"/>
+              <a:t>X</a:t>
+            </a:r>
+            <a:r>
+              <a:rPr lang="zh-TW" altLang="en-US" sz="2000" dirty="0"/>
+              <a:t>的座標與球</a:t>
+            </a:r>
+            <a:r>
+              <a:rPr lang="en-US" altLang="zh-TW" sz="2000" dirty="0"/>
+              <a:t>Y</a:t>
+            </a:r>
+            <a:r>
+              <a:rPr lang="zh-TW" altLang="en-US" sz="2000" dirty="0"/>
+              <a:t>的座標</a:t>
+            </a:r>
+            <a:endParaRPr lang="en-US" altLang="zh-TW" sz="2000" dirty="0"/>
+          </a:p>
+          <a:p>
+            <a:r>
+              <a:rPr lang="en-US" altLang="zh-TW" sz="2000" dirty="0"/>
+              <a:t>20%</a:t>
+            </a:r>
+            <a:r>
+              <a:rPr lang="zh-TW" altLang="en-US" sz="2000" dirty="0"/>
+              <a:t>測試集結果</a:t>
+            </a:r>
+            <a:endParaRPr lang="en-US" altLang="zh-TW" sz="2000" dirty="0"/>
+          </a:p>
+          <a:p>
+            <a:pPr lvl="1"/>
+            <a:r>
+              <a:rPr lang="en-US" altLang="zh-TW" sz="1800" dirty="0"/>
+              <a:t>Train</a:t>
+            </a:r>
+            <a:r>
+              <a:rPr lang="zh-TW" altLang="en-US" sz="1800" dirty="0"/>
+              <a:t>為正確數值</a:t>
+            </a:r>
+            <a:endParaRPr lang="en-US" altLang="zh-TW" sz="1800" dirty="0"/>
+          </a:p>
+          <a:p>
+            <a:pPr lvl="1"/>
+            <a:r>
+              <a:rPr lang="en-US" altLang="zh-TW" sz="1800" dirty="0" err="1"/>
+              <a:t>Righ</a:t>
+            </a:r>
+            <a:r>
+              <a:rPr lang="zh-TW" altLang="en-US" sz="1800" dirty="0"/>
+              <a:t>為判定正確的數據</a:t>
+            </a:r>
+            <a:endParaRPr lang="en-US" altLang="zh-TW" sz="1800" dirty="0"/>
+          </a:p>
+          <a:p>
+            <a:pPr lvl="1"/>
+            <a:r>
+              <a:rPr lang="en-US" altLang="zh-TW" sz="1800" dirty="0"/>
+              <a:t>Wrong</a:t>
+            </a:r>
+            <a:r>
+              <a:rPr lang="zh-TW" altLang="en-US" sz="1800" dirty="0"/>
+              <a:t>為判定錯誤的數據</a:t>
+            </a:r>
+            <a:endParaRPr lang="en-US" altLang="zh-TW" sz="1800" dirty="0"/>
+          </a:p>
+          <a:p>
+            <a:pPr marL="0" indent="0">
+              <a:buNone/>
+            </a:pPr>
+            <a:endParaRPr lang="en-US" altLang="zh-TW" dirty="0"/>
+          </a:p>
+        </p:txBody>
+      </p:sp>
+      <p:pic>
+        <p:nvPicPr>
+          <p:cNvPr id="6" name="圖片 5">
+            <a:extLst>
+              <a:ext uri="{FF2B5EF4-FFF2-40B4-BE49-F238E27FC236}">
+                <a16:creationId xmlns:a16="http://schemas.microsoft.com/office/drawing/2014/main" id="{AA65135A-E089-4A2E-9867-7277208BD411}"/>
+              </a:ext>
+            </a:extLst>
+          </p:cNvPr>
+          <p:cNvPicPr>
+            <a:picLocks noChangeAspect="1"/>
+          </p:cNvPicPr>
+          <p:nvPr/>
+        </p:nvPicPr>
+        <p:blipFill>
+          <a:blip r:embed="rId2"/>
+          <a:stretch>
+            <a:fillRect/>
+          </a:stretch>
+        </p:blipFill>
+        <p:spPr>
+          <a:xfrm>
+            <a:off x="6589068" y="2556923"/>
+            <a:ext cx="3862445" cy="3549599"/>
+          </a:xfrm>
+          <a:prstGeom prst="rect">
+            <a:avLst/>
+          </a:prstGeom>
+        </p:spPr>
+      </p:pic>
+    </p:spTree>
+    <p:extLst>
+      <p:ext uri="{BB962C8B-B14F-4D97-AF65-F5344CB8AC3E}">
+        <p14:creationId xmlns:p14="http://schemas.microsoft.com/office/powerpoint/2010/main" val="3518772736"/>
+      </p:ext>
+    </p:extLst>
+  </p:cSld>
+  <p:clrMapOvr>
+    <a:masterClrMapping/>
+  </p:clrMapOvr>
+</p:sld>
+</file>
+
+<file path=ppt/slides/slide17.xml><?xml version="1.0" encoding="utf-8"?>
+<p:sld xmlns:a="http://schemas.openxmlformats.org/drawingml/2006/main" xmlns:r="http://schemas.openxmlformats.org/officeDocument/2006/relationships" xmlns:p="http://schemas.openxmlformats.org/presentationml/2006/main">
+  <p:cSld>
+    <p:spTree>
+      <p:nvGrpSpPr>
+        <p:cNvPr id="1" name=""/>
+        <p:cNvGrpSpPr/>
+        <p:nvPr/>
+      </p:nvGrpSpPr>
+      <p:grpSpPr>
+        <a:xfrm>
+          <a:off x="0" y="0"/>
+          <a:ext cx="0" cy="0"/>
+          <a:chOff x="0" y="0"/>
+          <a:chExt cx="0" cy="0"/>
+        </a:xfrm>
+      </p:grpSpPr>
+      <p:sp>
+        <p:nvSpPr>
+          <p:cNvPr id="3" name="內容版面配置區 2">
+            <a:extLst>
+              <a:ext uri="{FF2B5EF4-FFF2-40B4-BE49-F238E27FC236}">
+                <a16:creationId xmlns:a16="http://schemas.microsoft.com/office/drawing/2014/main" id="{B2F3C4CE-1155-4E0D-8372-D82625B1773F}"/>
+              </a:ext>
+            </a:extLst>
+          </p:cNvPr>
+          <p:cNvSpPr>
+            <a:spLocks noGrp="1"/>
+          </p:cNvSpPr>
+          <p:nvPr>
+            <p:ph idx="1"/>
+          </p:nvPr>
+        </p:nvSpPr>
+        <p:spPr/>
+        <p:txBody>
+          <a:bodyPr/>
+          <a:lstStyle/>
+          <a:p>
+            <a:endParaRPr lang="zh-TW" altLang="en-US" dirty="0"/>
+          </a:p>
+        </p:txBody>
+      </p:sp>
+      <p:sp>
+        <p:nvSpPr>
+          <p:cNvPr id="2" name="標題 1">
+            <a:extLst>
+              <a:ext uri="{FF2B5EF4-FFF2-40B4-BE49-F238E27FC236}">
+                <a16:creationId xmlns:a16="http://schemas.microsoft.com/office/drawing/2014/main" id="{0F4764E6-EE8A-485E-9580-F789AFA7178F}"/>
+              </a:ext>
+            </a:extLst>
+          </p:cNvPr>
+          <p:cNvSpPr>
+            <a:spLocks noGrp="1"/>
+          </p:cNvSpPr>
+          <p:nvPr>
+            <p:ph type="title"/>
+          </p:nvPr>
+        </p:nvSpPr>
+        <p:spPr/>
+        <p:txBody>
+          <a:bodyPr/>
+          <a:lstStyle/>
+          <a:p>
+            <a:r>
+              <a:rPr lang="zh-TW" altLang="en-US" dirty="0"/>
+              <a:t>資料視覺化</a:t>
+            </a:r>
+          </a:p>
+        </p:txBody>
+      </p:sp>
+      <p:pic>
+        <p:nvPicPr>
+          <p:cNvPr id="4" name="圖片 3">
+            <a:extLst>
+              <a:ext uri="{FF2B5EF4-FFF2-40B4-BE49-F238E27FC236}">
+                <a16:creationId xmlns:a16="http://schemas.microsoft.com/office/drawing/2014/main" id="{2B0A5D1C-A7A7-4A03-A856-1FAF9FB59922}"/>
+              </a:ext>
+            </a:extLst>
+          </p:cNvPr>
+          <p:cNvPicPr>
+            <a:picLocks noChangeAspect="1"/>
+          </p:cNvPicPr>
+          <p:nvPr/>
+        </p:nvPicPr>
+        <p:blipFill>
+          <a:blip r:embed="rId2"/>
+          <a:stretch>
+            <a:fillRect/>
+          </a:stretch>
+        </p:blipFill>
+        <p:spPr>
+          <a:xfrm>
+            <a:off x="2104007" y="2633333"/>
+            <a:ext cx="3445183" cy="3166134"/>
+          </a:xfrm>
+          <a:prstGeom prst="rect">
+            <a:avLst/>
+          </a:prstGeom>
+        </p:spPr>
+      </p:pic>
+      <p:pic>
+        <p:nvPicPr>
+          <p:cNvPr id="7" name="圖片 6">
+            <a:extLst>
+              <a:ext uri="{FF2B5EF4-FFF2-40B4-BE49-F238E27FC236}">
+                <a16:creationId xmlns:a16="http://schemas.microsoft.com/office/drawing/2014/main" id="{7585A688-9E78-43E5-9042-EECF6815D46B}"/>
+              </a:ext>
+            </a:extLst>
+          </p:cNvPr>
+          <p:cNvPicPr>
+            <a:picLocks noChangeAspect="1"/>
+          </p:cNvPicPr>
+          <p:nvPr/>
+        </p:nvPicPr>
+        <p:blipFill>
+          <a:blip r:embed="rId3"/>
+          <a:stretch>
+            <a:fillRect/>
+          </a:stretch>
+        </p:blipFill>
+        <p:spPr>
+          <a:xfrm>
+            <a:off x="6357795" y="2633333"/>
+            <a:ext cx="3445183" cy="3166134"/>
+          </a:xfrm>
+          <a:prstGeom prst="rect">
+            <a:avLst/>
+          </a:prstGeom>
+        </p:spPr>
+      </p:pic>
+    </p:spTree>
+    <p:extLst>
+      <p:ext uri="{BB962C8B-B14F-4D97-AF65-F5344CB8AC3E}">
+        <p14:creationId xmlns:p14="http://schemas.microsoft.com/office/powerpoint/2010/main" val="3907904912"/>
+      </p:ext>
+    </p:extLst>
+  </p:cSld>
+  <p:clrMapOvr>
+    <a:masterClrMapping/>
+  </p:clrMapOvr>
+</p:sld>
+</file>
+
 <file path=ppt/slides/slide2.xml><?xml version="1.0" encoding="utf-8"?>
 <p:sld xmlns:a="http://schemas.openxmlformats.org/drawingml/2006/main" xmlns:r="http://schemas.openxmlformats.org/officeDocument/2006/relationships" xmlns:p="http://schemas.openxmlformats.org/presentationml/2006/main">
   <p:cSld>
@@ -6290,88 +7514,130 @@
             </a:r>
             <a:r>
               <a:rPr lang="en-US" altLang="zh-TW" dirty="0"/>
-              <a:t>(x, y, </a:t>
-            </a:r>
-            <a:r>
-              <a:rPr lang="el-GR" altLang="zh-TW" dirty="0"/>
-              <a:t>Δ</a:t>
+              <a:t>(</a:t>
+            </a:r>
+            <a:r>
+              <a:rPr lang="en-US" altLang="zh-TW" dirty="0" err="1"/>
+              <a:t>Ball_X</a:t>
             </a:r>
             <a:r>
               <a:rPr lang="en-US" altLang="zh-TW" dirty="0"/>
-              <a:t>x, </a:t>
-            </a:r>
-            <a:r>
-              <a:rPr lang="el-GR" altLang="zh-TW" dirty="0"/>
-              <a:t>Δ</a:t>
+              <a:t>, </a:t>
+            </a:r>
+            <a:r>
+              <a:rPr lang="en-US" altLang="zh-TW" dirty="0" err="1"/>
+              <a:t>Ball_y</a:t>
             </a:r>
             <a:r>
               <a:rPr lang="en-US" altLang="zh-TW" dirty="0"/>
-              <a:t>y)</a:t>
-            </a:r>
-          </a:p>
-          <a:p>
+              <a:t>, </a:t>
+            </a:r>
+            <a:r>
+              <a:rPr lang="en-US" altLang="zh-TW" dirty="0" err="1"/>
+              <a:t>Ball_Next_X</a:t>
+            </a:r>
             <a:r>
               <a:rPr lang="en-US" altLang="zh-TW" dirty="0"/>
-              <a:t>x</a:t>
-            </a:r>
-            <a:r>
-              <a:rPr lang="zh-TW" altLang="en-US" dirty="0"/>
+              <a:t>, </a:t>
+            </a:r>
+            <a:r>
+              <a:rPr lang="en-US" altLang="zh-TW" dirty="0" err="1"/>
+              <a:t>Ball_Next_Y,Plat_X</a:t>
+            </a:r>
+            <a:r>
+              <a:rPr lang="en-US" altLang="zh-TW" dirty="0"/>
+              <a:t> )</a:t>
+            </a:r>
+          </a:p>
+          <a:p>
+            <a:pPr lvl="1"/>
+            <a:r>
+              <a:rPr lang="en-US" altLang="zh-TW" sz="1800" dirty="0" err="1"/>
+              <a:t>Ball_X</a:t>
+            </a:r>
+            <a:r>
+              <a:rPr lang="en-US" altLang="zh-TW" sz="1800" dirty="0"/>
+              <a:t> </a:t>
+            </a:r>
+            <a:r>
+              <a:rPr lang="zh-TW" altLang="en-US" sz="1800" dirty="0"/>
               <a:t>：</a:t>
             </a:r>
             <a:r>
-              <a:rPr lang="en-US" altLang="zh-TW" dirty="0"/>
+              <a:rPr lang="en-US" altLang="zh-TW" sz="1800" dirty="0"/>
               <a:t>integer 0 ~ 199 (pixel)</a:t>
             </a:r>
           </a:p>
           <a:p>
-            <a:r>
-              <a:rPr lang="en-US" altLang="zh-TW" dirty="0"/>
-              <a:t>y</a:t>
-            </a:r>
-            <a:r>
-              <a:rPr lang="zh-TW" altLang="en-US" dirty="0"/>
+            <a:pPr lvl="1"/>
+            <a:r>
+              <a:rPr lang="en-US" altLang="zh-TW" sz="1800" dirty="0" err="1"/>
+              <a:t>Ball_Y</a:t>
+            </a:r>
+            <a:r>
+              <a:rPr lang="zh-TW" altLang="en-US" sz="1800" dirty="0"/>
               <a:t>：</a:t>
             </a:r>
             <a:r>
-              <a:rPr lang="en-US" altLang="zh-TW" dirty="0"/>
+              <a:rPr lang="en-US" altLang="zh-TW" sz="1800" dirty="0"/>
               <a:t>integer 0 ~ 399 (pixel)</a:t>
             </a:r>
           </a:p>
           <a:p>
-            <a:r>
-              <a:rPr lang="el-GR" altLang="zh-TW" dirty="0"/>
-              <a:t>Δ</a:t>
-            </a:r>
-            <a:r>
-              <a:rPr lang="en-US" altLang="zh-TW" dirty="0"/>
-              <a:t>x</a:t>
-            </a:r>
-            <a:r>
-              <a:rPr lang="zh-TW" altLang="en-US" dirty="0"/>
+            <a:pPr lvl="1"/>
+            <a:r>
+              <a:rPr lang="en-US" altLang="zh-TW" sz="1800" dirty="0" err="1"/>
+              <a:t>Ball_Next_X</a:t>
+            </a:r>
+            <a:r>
+              <a:rPr lang="en-US" altLang="zh-TW" sz="1800" dirty="0"/>
+              <a:t> </a:t>
+            </a:r>
+            <a:r>
+              <a:rPr lang="zh-TW" altLang="en-US" sz="1800" dirty="0"/>
               <a:t>：</a:t>
             </a:r>
             <a:r>
-              <a:rPr lang="en-US" altLang="zh-TW" dirty="0"/>
+              <a:rPr lang="en-US" altLang="zh-TW" sz="1800" dirty="0"/>
               <a:t>integer 0 ~ 199 (pixel)</a:t>
             </a:r>
           </a:p>
           <a:p>
-            <a:r>
-              <a:rPr lang="el-GR" altLang="zh-TW" dirty="0"/>
-              <a:t>Δ</a:t>
-            </a:r>
-            <a:r>
-              <a:rPr lang="en-US" altLang="zh-TW" dirty="0"/>
-              <a:t>y</a:t>
-            </a:r>
-            <a:r>
-              <a:rPr lang="zh-TW" altLang="en-US" dirty="0"/>
+            <a:pPr lvl="1"/>
+            <a:r>
+              <a:rPr lang="en-US" altLang="zh-TW" sz="1800" dirty="0" err="1"/>
+              <a:t>Ball_Next_Y</a:t>
+            </a:r>
+            <a:r>
+              <a:rPr lang="en-US" altLang="zh-TW" sz="1800" dirty="0"/>
+              <a:t> </a:t>
+            </a:r>
+            <a:r>
+              <a:rPr lang="zh-TW" altLang="en-US" sz="1800" dirty="0"/>
               <a:t>：</a:t>
             </a:r>
             <a:r>
-              <a:rPr lang="en-US" altLang="zh-TW" dirty="0"/>
+              <a:rPr lang="en-US" altLang="zh-TW" sz="1800" dirty="0"/>
               <a:t>integer 0 ~ 399 (pixel)</a:t>
             </a:r>
+          </a:p>
+          <a:p>
+            <a:pPr lvl="1"/>
+            <a:r>
+              <a:rPr lang="en-US" altLang="zh-TW" sz="1800" dirty="0" err="1"/>
+              <a:t>Plat_X</a:t>
+            </a:r>
+            <a:r>
+              <a:rPr lang="zh-TW" altLang="en-US" sz="1800" dirty="0"/>
+              <a:t>：</a:t>
+            </a:r>
+            <a:r>
+              <a:rPr lang="en-US" altLang="zh-TW" sz="1800" dirty="0"/>
+              <a:t>integer 0 ~ 399 (pixel)</a:t>
+            </a:r>
+          </a:p>
+          <a:p>
+            <a:endParaRPr lang="en-US" altLang="zh-TW" dirty="0"/>
           </a:p>
           <a:p>
             <a:pPr marL="0" indent="0">
@@ -6587,25 +7853,47 @@
               <a:rPr lang="zh-TW" altLang="en-US" dirty="0"/>
               <a:t>值決定當下的 </a:t>
             </a:r>
+            <a:endParaRPr lang="en-US" altLang="zh-TW" dirty="0"/>
+          </a:p>
+          <a:p>
+            <a:pPr marL="0" indent="0">
+              <a:buNone/>
+            </a:pPr>
             <a:r>
               <a:rPr lang="en-US" altLang="zh-TW" dirty="0"/>
-              <a:t>&lt;x, y, </a:t>
-            </a:r>
-            <a:r>
-              <a:rPr lang="el-GR" altLang="zh-TW" dirty="0"/>
-              <a:t>Δ</a:t>
+              <a:t>	&lt; </a:t>
+            </a:r>
+            <a:r>
+              <a:rPr lang="en-US" altLang="zh-TW" dirty="0" err="1"/>
+              <a:t>Ball_X</a:t>
             </a:r>
             <a:r>
               <a:rPr lang="en-US" altLang="zh-TW" dirty="0"/>
-              <a:t>x, </a:t>
-            </a:r>
-            <a:r>
-              <a:rPr lang="el-GR" altLang="zh-TW" dirty="0"/>
-              <a:t>Δ</a:t>
+              <a:t>, </a:t>
+            </a:r>
+            <a:r>
+              <a:rPr lang="en-US" altLang="zh-TW" dirty="0" err="1"/>
+              <a:t>Ball_y</a:t>
             </a:r>
             <a:r>
               <a:rPr lang="en-US" altLang="zh-TW" dirty="0"/>
-              <a:t>y&gt;</a:t>
+              <a:t>, </a:t>
+            </a:r>
+            <a:r>
+              <a:rPr lang="en-US" altLang="zh-TW" dirty="0" err="1"/>
+              <a:t>Ball_Next_X</a:t>
+            </a:r>
+            <a:r>
+              <a:rPr lang="en-US" altLang="zh-TW" dirty="0"/>
+              <a:t>, </a:t>
+            </a:r>
+            <a:r>
+              <a:rPr lang="en-US" altLang="zh-TW" dirty="0" err="1"/>
+              <a:t>Ball_Next_Y,Plat_X</a:t>
+            </a:r>
+            <a:r>
+              <a:rPr lang="en-US" altLang="zh-TW" dirty="0"/>
+              <a:t> &gt;</a:t>
             </a:r>
             <a:r>
               <a:rPr lang="zh-TW" altLang="en-US" dirty="0"/>
@@ -6714,23 +8002,39 @@
             </a:r>
             <a:r>
               <a:rPr lang="en-US" altLang="zh-TW" dirty="0"/>
-              <a:t>&lt;x, y, </a:t>
-            </a:r>
-            <a:r>
-              <a:rPr lang="el-GR" altLang="zh-TW" dirty="0"/>
-              <a:t>Δ</a:t>
+              <a:t>&lt; </a:t>
+            </a:r>
+            <a:r>
+              <a:rPr lang="en-US" altLang="zh-TW" dirty="0" err="1"/>
+              <a:t>Ball_X</a:t>
             </a:r>
             <a:r>
               <a:rPr lang="en-US" altLang="zh-TW" dirty="0"/>
-              <a:t>x, </a:t>
-            </a:r>
-            <a:r>
-              <a:rPr lang="el-GR" altLang="zh-TW" dirty="0"/>
-              <a:t>Δ</a:t>
+              <a:t>, </a:t>
+            </a:r>
+            <a:r>
+              <a:rPr lang="en-US" altLang="zh-TW" dirty="0" err="1"/>
+              <a:t>Ball_y</a:t>
             </a:r>
             <a:r>
               <a:rPr lang="en-US" altLang="zh-TW" dirty="0"/>
-              <a:t>y&gt;</a:t>
+              <a:t>, </a:t>
+            </a:r>
+            <a:r>
+              <a:rPr lang="en-US" altLang="zh-TW" dirty="0" err="1"/>
+              <a:t>Ball_Next_X</a:t>
+            </a:r>
+            <a:r>
+              <a:rPr lang="en-US" altLang="zh-TW" dirty="0"/>
+              <a:t>, </a:t>
+            </a:r>
+            <a:r>
+              <a:rPr lang="en-US" altLang="zh-TW" dirty="0" err="1"/>
+              <a:t>Ball_Next_Y,Plat_X</a:t>
+            </a:r>
+            <a:r>
+              <a:rPr lang="en-US" altLang="zh-TW" dirty="0"/>
+              <a:t> &gt;</a:t>
             </a:r>
             <a:r>
               <a:rPr lang="zh-TW" altLang="en-US" dirty="0"/>
